--- a/report.pptx
+++ b/report.pptx
@@ -3186,7 +3186,7 @@
         </p:blipFill>
         <p:spPr>
           <a:xfrm>
-            <a:off x="2743200" y="3657600"/>
+            <a:off x="2743200" y="2743200"/>
             <a:ext cx="4876800" cy="3657600"/>
           </a:xfrm>
           <a:prstGeom prst="rect">
